--- a/ppt/2D_Game_발표자료.pptx
+++ b/ppt/2D_Game_발표자료.pptx
@@ -250,7 +250,7 @@
               <a:pPr>
                 <a:defRPr/>
               </a:pPr>
-              <a:t>2017-10-18</a:t>
+              <a:t>2017-10-19</a:t>
             </a:fld>
             <a:endParaRPr lang="en-GB"/>
           </a:p>
@@ -4265,7 +4265,7 @@
         <p:spPr>
           <a:xfrm>
             <a:off x="3109913" y="2781300"/>
-            <a:ext cx="5858827" cy="817245"/>
+            <a:ext cx="362902" cy="817245"/>
           </a:xfrm>
           <a:prstGeom prst="rect">
             <a:avLst/>
@@ -4419,15 +4419,6 @@
               <a:buNone/>
               <a:defRPr/>
             </a:pPr>
-            <a:r>
-              <a:rPr lang="en-GB" altLang="en-US" sz="4800">
-                <a:solidFill>
-                  <a:schemeClr val="bg1"/>
-                </a:solidFill>
-                <a:latin typeface="Arial"/>
-              </a:rPr>
-              <a:t>Blackboard Graphics</a:t>
-            </a:r>
             <a:endParaRPr lang="en-GB" altLang="en-US" sz="4800">
               <a:solidFill>
                 <a:schemeClr val="bg1"/>
@@ -4448,7 +4439,7 @@
         <p:spPr>
           <a:xfrm>
             <a:off x="4079875" y="4292600"/>
-            <a:ext cx="4060190" cy="572770"/>
+            <a:ext cx="278765" cy="572770"/>
           </a:xfrm>
           <a:prstGeom prst="rect">
             <a:avLst/>
@@ -4602,15 +4593,7 @@
               <a:buNone/>
               <a:defRPr/>
             </a:pPr>
-            <a:r>
-              <a:rPr lang="en-US" altLang="en-US">
-                <a:solidFill>
-                  <a:schemeClr val="bg1"/>
-                </a:solidFill>
-              </a:rPr>
-              <a:t>Add your message here</a:t>
-            </a:r>
-            <a:endParaRPr lang="en-GB" altLang="en-US" sz="1800">
+            <a:endParaRPr lang="en-US" altLang="en-US">
               <a:solidFill>
                 <a:schemeClr val="bg1"/>
               </a:solidFill>
